--- a/Föreläsningar/F06 - HTML5.pptx
+++ b/Föreläsningar/F06 - HTML5.pptx
@@ -736,25 +736,6 @@
           <a:p>
             <a:r>
               <a:rPr lang="sv-SE" dirty="0" smtClean="0"/>
-              <a:t>Här finns en lista</a:t>
-            </a:r>
-            <a:r>
-              <a:rPr lang="sv-SE" baseline="0" dirty="0" smtClean="0"/>
-              <a:t> på supporten för HTML5 i webbläsarna:</a:t>
-            </a:r>
-          </a:p>
-          <a:p>
-            <a:r>
-              <a:rPr lang="sv-SE" dirty="0" smtClean="0"/>
-              <a:t>http://a.deveria.com/caniuse/#agents=All&amp;eras=All&amp;cats=HTML5&amp;statuses=rec,cr,wd,ietf</a:t>
-            </a:r>
-          </a:p>
-          <a:p>
-            <a:endParaRPr lang="sv-SE" dirty="0" smtClean="0"/>
-          </a:p>
-          <a:p>
-            <a:r>
-              <a:rPr lang="sv-SE" dirty="0" smtClean="0"/>
               <a:t>Som</a:t>
             </a:r>
             <a:r>
@@ -1184,14 +1165,7 @@
           <a:bodyPr/>
           <a:lstStyle/>
           <a:p>
-            <a:r>
-              <a:rPr lang="sv-SE" dirty="0" smtClean="0"/>
-              <a:t>Stöd för</a:t>
-            </a:r>
-            <a:r>
-              <a:rPr lang="sv-SE" baseline="0" dirty="0" smtClean="0"/>
-              <a:t> att dra/släppa från externa applikationer</a:t>
-            </a:r>
+            <a:endParaRPr lang="en-US" dirty="0"/>
           </a:p>
         </p:txBody>
       </p:sp>
@@ -1213,6 +1187,98 @@
             <a:fld id="{87A2DC32-3504-46EA-A4CB-95ED6A325EDF}" type="slidenum">
               <a:rPr lang="sv-SE" smtClean="0"/>
               <a:pPr/>
+              <a:t>35</a:t>
+            </a:fld>
+            <a:endParaRPr lang="sv-SE"/>
+          </a:p>
+        </p:txBody>
+      </p:sp>
+    </p:spTree>
+    <p:extLst>
+      <p:ext uri="{BB962C8B-B14F-4D97-AF65-F5344CB8AC3E}">
+        <p14:creationId xmlns:p14="http://schemas.microsoft.com/office/powerpoint/2010/main" val="3655970737"/>
+      </p:ext>
+    </p:extLst>
+  </p:cSld>
+  <p:clrMapOvr>
+    <a:masterClrMapping/>
+  </p:clrMapOvr>
+</p:notes>
+</file>
+
+<file path=ppt/notesSlides/notesSlide6.xml><?xml version="1.0" encoding="utf-8"?>
+<p:notes xmlns:a="http://schemas.openxmlformats.org/drawingml/2006/main" xmlns:r="http://schemas.openxmlformats.org/officeDocument/2006/relationships" xmlns:p="http://schemas.openxmlformats.org/presentationml/2006/main">
+  <p:cSld>
+    <p:spTree>
+      <p:nvGrpSpPr>
+        <p:cNvPr id="1" name=""/>
+        <p:cNvGrpSpPr/>
+        <p:nvPr/>
+      </p:nvGrpSpPr>
+      <p:grpSpPr>
+        <a:xfrm>
+          <a:off x="0" y="0"/>
+          <a:ext cx="0" cy="0"/>
+          <a:chOff x="0" y="0"/>
+          <a:chExt cx="0" cy="0"/>
+        </a:xfrm>
+      </p:grpSpPr>
+      <p:sp>
+        <p:nvSpPr>
+          <p:cNvPr id="2" name="Slide Image Placeholder 1"/>
+          <p:cNvSpPr>
+            <a:spLocks noGrp="1" noRot="1" noChangeAspect="1"/>
+          </p:cNvSpPr>
+          <p:nvPr>
+            <p:ph type="sldImg"/>
+          </p:nvPr>
+        </p:nvSpPr>
+        <p:spPr/>
+      </p:sp>
+      <p:sp>
+        <p:nvSpPr>
+          <p:cNvPr id="3" name="Notes Placeholder 2"/>
+          <p:cNvSpPr>
+            <a:spLocks noGrp="1"/>
+          </p:cNvSpPr>
+          <p:nvPr>
+            <p:ph type="body" idx="1"/>
+          </p:nvPr>
+        </p:nvSpPr>
+        <p:spPr/>
+        <p:txBody>
+          <a:bodyPr/>
+          <a:lstStyle/>
+          <a:p>
+            <a:r>
+              <a:rPr lang="sv-SE" dirty="0" smtClean="0"/>
+              <a:t>Stöd för</a:t>
+            </a:r>
+            <a:r>
+              <a:rPr lang="sv-SE" baseline="0" dirty="0" smtClean="0"/>
+              <a:t> att dra/släppa från externa applikationer</a:t>
+            </a:r>
+          </a:p>
+        </p:txBody>
+      </p:sp>
+      <p:sp>
+        <p:nvSpPr>
+          <p:cNvPr id="4" name="Slide Number Placeholder 3"/>
+          <p:cNvSpPr>
+            <a:spLocks noGrp="1"/>
+          </p:cNvSpPr>
+          <p:nvPr>
+            <p:ph type="sldNum" sz="quarter" idx="10"/>
+          </p:nvPr>
+        </p:nvSpPr>
+        <p:spPr/>
+        <p:txBody>
+          <a:bodyPr/>
+          <a:lstStyle/>
+          <a:p>
+            <a:fld id="{87A2DC32-3504-46EA-A4CB-95ED6A325EDF}" type="slidenum">
+              <a:rPr lang="sv-SE" smtClean="0"/>
+              <a:pPr/>
               <a:t>38</a:t>
             </a:fld>
             <a:endParaRPr lang="sv-SE"/>
@@ -1232,7 +1298,7 @@
 </p:notes>
 </file>
 
-<file path=ppt/notesSlides/notesSlide6.xml><?xml version="1.0" encoding="utf-8"?>
+<file path=ppt/notesSlides/notesSlide7.xml><?xml version="1.0" encoding="utf-8"?>
 <p:notes xmlns:a="http://schemas.openxmlformats.org/drawingml/2006/main" xmlns:r="http://schemas.openxmlformats.org/officeDocument/2006/relationships" xmlns:p="http://schemas.openxmlformats.org/presentationml/2006/main">
   <p:cSld>
     <p:spTree>
@@ -8194,6 +8260,47 @@
             </a:r>
           </a:p>
           <a:p>
+            <a:endParaRPr lang="sv-SE" sz="1800" dirty="0" smtClean="0"/>
+          </a:p>
+          <a:p>
+            <a:r>
+              <a:rPr lang="sv-SE" sz="1800" dirty="0" smtClean="0"/>
+              <a:t>Main får inte vara barn till </a:t>
+            </a:r>
+            <a:r>
+              <a:rPr lang="sv-SE" sz="1800" dirty="0" err="1" smtClean="0"/>
+              <a:t>article</a:t>
+            </a:r>
+            <a:r>
+              <a:rPr lang="sv-SE" sz="1800" dirty="0" smtClean="0"/>
+              <a:t>, </a:t>
+            </a:r>
+            <a:r>
+              <a:rPr lang="sv-SE" sz="1800" dirty="0" err="1" smtClean="0"/>
+              <a:t>aside</a:t>
+            </a:r>
+            <a:r>
+              <a:rPr lang="sv-SE" sz="1800" dirty="0" smtClean="0"/>
+              <a:t>, </a:t>
+            </a:r>
+            <a:r>
+              <a:rPr lang="sv-SE" sz="1800" dirty="0" err="1" smtClean="0"/>
+              <a:t>footer</a:t>
+            </a:r>
+            <a:r>
+              <a:rPr lang="sv-SE" sz="1800" dirty="0" smtClean="0"/>
+              <a:t>, </a:t>
+            </a:r>
+            <a:r>
+              <a:rPr lang="sv-SE" sz="1800" dirty="0" err="1" smtClean="0"/>
+              <a:t>header</a:t>
+            </a:r>
+            <a:r>
+              <a:rPr lang="sv-SE" sz="1800" dirty="0" smtClean="0"/>
+              <a:t> eller nav.</a:t>
+            </a:r>
+          </a:p>
+          <a:p>
             <a:endParaRPr lang="sv-SE" sz="1800" dirty="0"/>
           </a:p>
           <a:p>
@@ -10274,9 +10381,9 @@
         <p:grpSpPr>
           <a:xfrm>
             <a:off x="6732240" y="2137420"/>
-            <a:ext cx="2016224" cy="2231007"/>
+            <a:ext cx="2016224" cy="1492344"/>
             <a:chOff x="6732240" y="1301860"/>
-            <a:chExt cx="2016224" cy="2231007"/>
+            <a:chExt cx="2016224" cy="1492344"/>
           </a:xfrm>
         </p:grpSpPr>
         <p:pic>
@@ -10370,7 +10477,7 @@
           <p:spPr>
             <a:xfrm>
               <a:off x="6732240" y="2209428"/>
-              <a:ext cx="2016224" cy="1323439"/>
+              <a:ext cx="2016224" cy="584776"/>
             </a:xfrm>
             <a:prstGeom prst="rect">
               <a:avLst/>
@@ -10388,23 +10495,17 @@
                 <a:rPr lang="sv-SE" sz="1600" dirty="0" smtClean="0">
                   <a:latin typeface="Minya Nouvelle" pitchFamily="2" charset="0"/>
                 </a:rPr>
-                <a:t>Detta fix behövs för IE8 och lägre. </a:t>
+                <a:t>Detta fix behövs för IE8 och lägre</a:t>
               </a:r>
-            </a:p>
-            <a:p>
-              <a:pPr algn="ctr"/>
-              <a:endParaRPr lang="sv-SE" sz="1600" dirty="0">
-                <a:latin typeface="Minya Nouvelle" pitchFamily="2" charset="0"/>
-              </a:endParaRPr>
-            </a:p>
-            <a:p>
-              <a:pPr algn="ctr"/>
               <a:r>
                 <a:rPr lang="sv-SE" sz="1600" dirty="0" smtClean="0">
                   <a:latin typeface="Minya Nouvelle" pitchFamily="2" charset="0"/>
                 </a:rPr>
-                <a:t>IE9 har stöd för de nya taggarna</a:t>
+                <a:t>.</a:t>
               </a:r>
+              <a:endParaRPr lang="sv-SE" sz="1600" dirty="0" smtClean="0">
+                <a:latin typeface="Minya Nouvelle" pitchFamily="2" charset="0"/>
+              </a:endParaRPr>
             </a:p>
           </p:txBody>
         </p:sp>
@@ -10418,7 +10519,7 @@
         <p:spPr>
           <a:xfrm>
             <a:off x="1187624" y="1777380"/>
-            <a:ext cx="4824536" cy="2277547"/>
+            <a:ext cx="4824536" cy="2462212"/>
           </a:xfrm>
           <a:prstGeom prst="rect">
             <a:avLst/>
@@ -10650,8 +10751,124 @@
                 <a:latin typeface="Courier New" pitchFamily="49" charset="0"/>
                 <a:cs typeface="Courier New" pitchFamily="49" charset="0"/>
               </a:rPr>
-              <a:t>("article");</a:t>
-            </a:r>
+              <a:t>("article")</a:t>
+            </a:r>
+            <a:r>
+              <a:rPr lang="en-US" sz="1200" b="1" dirty="0" smtClean="0">
+                <a:solidFill>
+                  <a:srgbClr val="0070C0"/>
+                </a:solidFill>
+                <a:latin typeface="Courier New" pitchFamily="49" charset="0"/>
+                <a:cs typeface="Courier New" pitchFamily="49" charset="0"/>
+              </a:rPr>
+              <a:t>;</a:t>
+            </a:r>
+            <a:r>
+              <a:rPr lang="en-US" sz="1200" b="1" dirty="0">
+                <a:solidFill>
+                  <a:srgbClr val="0070C0"/>
+                </a:solidFill>
+                <a:latin typeface="Courier New" pitchFamily="49" charset="0"/>
+                <a:cs typeface="Courier New" pitchFamily="49" charset="0"/>
+              </a:rPr>
+              <a:t/>
+            </a:r>
+            <a:br>
+              <a:rPr lang="en-US" sz="1200" b="1" dirty="0">
+                <a:solidFill>
+                  <a:srgbClr val="0070C0"/>
+                </a:solidFill>
+                <a:latin typeface="Courier New" pitchFamily="49" charset="0"/>
+                <a:cs typeface="Courier New" pitchFamily="49" charset="0"/>
+              </a:rPr>
+            </a:br>
+            <a:r>
+              <a:rPr lang="en-US" sz="1200" b="1" dirty="0" smtClean="0">
+                <a:solidFill>
+                  <a:srgbClr val="0070C0"/>
+                </a:solidFill>
+                <a:latin typeface="Courier New" pitchFamily="49" charset="0"/>
+                <a:cs typeface="Courier New" pitchFamily="49" charset="0"/>
+              </a:rPr>
+              <a:t>   </a:t>
+            </a:r>
+            <a:r>
+              <a:rPr lang="en-US" sz="1200" b="1" dirty="0" err="1">
+                <a:solidFill>
+                  <a:srgbClr val="FF0000"/>
+                </a:solidFill>
+                <a:latin typeface="Courier New" pitchFamily="49" charset="0"/>
+                <a:cs typeface="Courier New" pitchFamily="49" charset="0"/>
+              </a:rPr>
+              <a:t>document</a:t>
+            </a:r>
+            <a:r>
+              <a:rPr lang="en-US" sz="1200" b="1" dirty="0" err="1">
+                <a:solidFill>
+                  <a:schemeClr val="tx1"/>
+                </a:solidFill>
+                <a:latin typeface="Courier New" pitchFamily="49" charset="0"/>
+                <a:cs typeface="Courier New" pitchFamily="49" charset="0"/>
+              </a:rPr>
+              <a:t>.createElement</a:t>
+            </a:r>
+            <a:r>
+              <a:rPr lang="en-US" sz="1200" b="1" dirty="0" smtClean="0">
+                <a:solidFill>
+                  <a:srgbClr val="0070C0"/>
+                </a:solidFill>
+                <a:latin typeface="Courier New" pitchFamily="49" charset="0"/>
+                <a:cs typeface="Courier New" pitchFamily="49" charset="0"/>
+              </a:rPr>
+              <a:t>(</a:t>
+            </a:r>
+            <a:r>
+              <a:rPr lang="en-US" sz="1200" b="1" dirty="0">
+                <a:solidFill>
+                  <a:srgbClr val="0070C0"/>
+                </a:solidFill>
+                <a:latin typeface="Courier New" pitchFamily="49" charset="0"/>
+                <a:cs typeface="Courier New" pitchFamily="49" charset="0"/>
+              </a:rPr>
+              <a:t>"</a:t>
+            </a:r>
+            <a:r>
+              <a:rPr lang="en-US" sz="1200" b="1" dirty="0" smtClean="0">
+                <a:solidFill>
+                  <a:srgbClr val="0070C0"/>
+                </a:solidFill>
+                <a:latin typeface="Courier New" pitchFamily="49" charset="0"/>
+                <a:cs typeface="Courier New" pitchFamily="49" charset="0"/>
+              </a:rPr>
+              <a:t>main"</a:t>
+            </a:r>
+            <a:r>
+              <a:rPr lang="en-US" sz="1200" b="1" dirty="0">
+                <a:solidFill>
+                  <a:srgbClr val="0070C0"/>
+                </a:solidFill>
+                <a:latin typeface="Courier New" pitchFamily="49" charset="0"/>
+                <a:cs typeface="Courier New" pitchFamily="49" charset="0"/>
+              </a:rPr>
+              <a:t>)</a:t>
+            </a:r>
+            <a:r>
+              <a:rPr lang="en-US" sz="1200" b="1" dirty="0" smtClean="0">
+                <a:solidFill>
+                  <a:srgbClr val="0070C0"/>
+                </a:solidFill>
+                <a:latin typeface="Courier New" pitchFamily="49" charset="0"/>
+                <a:cs typeface="Courier New" pitchFamily="49" charset="0"/>
+              </a:rPr>
+              <a:t>;</a:t>
+            </a:r>
+            <a:endParaRPr lang="en-US" sz="1200" b="1" dirty="0" smtClean="0">
+              <a:solidFill>
+                <a:srgbClr val="0070C0"/>
+              </a:solidFill>
+              <a:latin typeface="Courier New" pitchFamily="49" charset="0"/>
+              <a:cs typeface="Courier New" pitchFamily="49" charset="0"/>
+            </a:endParaRPr>
           </a:p>
           <a:p>
             <a:r>
@@ -10924,8 +11141,8 @@
         </p:nvSpPr>
         <p:spPr>
           <a:xfrm>
-            <a:off x="179512" y="4875465"/>
-            <a:ext cx="8136904" cy="646331"/>
+            <a:off x="179512" y="4657700"/>
+            <a:ext cx="8136904" cy="923330"/>
           </a:xfrm>
           <a:prstGeom prst="rect">
             <a:avLst/>
@@ -10968,6 +11185,59 @@
               </a:rPr>
               <a:t>.</a:t>
             </a:r>
+          </a:p>
+          <a:p>
+            <a:r>
+              <a:rPr lang="sv-SE" dirty="0" smtClean="0">
+                <a:latin typeface="Minya Nouvelle" pitchFamily="2" charset="0"/>
+              </a:rPr>
+              <a:t>Du kan </a:t>
+            </a:r>
+            <a:r>
+              <a:rPr lang="sv-SE" dirty="0">
+                <a:latin typeface="Minya Nouvelle" pitchFamily="2" charset="0"/>
+              </a:rPr>
+              <a:t>även använda: </a:t>
+            </a:r>
+            <a:r>
+              <a:rPr lang="sv-SE" dirty="0" err="1">
+                <a:latin typeface="Minya Nouvelle" pitchFamily="2" charset="0"/>
+              </a:rPr>
+              <a:t>https</a:t>
+            </a:r>
+            <a:r>
+              <a:rPr lang="sv-SE" dirty="0">
+                <a:latin typeface="Minya Nouvelle" pitchFamily="2" charset="0"/>
+              </a:rPr>
+              <a:t>://</a:t>
+            </a:r>
+            <a:r>
+              <a:rPr lang="sv-SE" dirty="0" err="1">
+                <a:latin typeface="Minya Nouvelle" pitchFamily="2" charset="0"/>
+              </a:rPr>
+              <a:t>github.com</a:t>
+            </a:r>
+            <a:r>
+              <a:rPr lang="sv-SE" dirty="0">
+                <a:latin typeface="Minya Nouvelle" pitchFamily="2" charset="0"/>
+              </a:rPr>
+              <a:t>/</a:t>
+            </a:r>
+            <a:r>
+              <a:rPr lang="sv-SE" dirty="0" err="1">
+                <a:latin typeface="Minya Nouvelle" pitchFamily="2" charset="0"/>
+              </a:rPr>
+              <a:t>aFarkas</a:t>
+            </a:r>
+            <a:r>
+              <a:rPr lang="sv-SE" dirty="0">
+                <a:latin typeface="Minya Nouvelle" pitchFamily="2" charset="0"/>
+              </a:rPr>
+              <a:t>/html5shiv</a:t>
+            </a:r>
+            <a:endParaRPr lang="sv-SE" dirty="0" smtClean="0">
+              <a:latin typeface="Minya Nouvelle" pitchFamily="2" charset="0"/>
+            </a:endParaRPr>
           </a:p>
         </p:txBody>
       </p:sp>
@@ -12654,7 +12924,11 @@
           <a:p>
             <a:r>
               <a:rPr lang="sv-SE" b="1" dirty="0" smtClean="0"/>
-              <a:t>F13 – HTML5</a:t>
+              <a:t>F06 </a:t>
+            </a:r>
+            <a:r>
+              <a:rPr lang="sv-SE" b="1" dirty="0" smtClean="0"/>
+              <a:t>– HTML5</a:t>
             </a:r>
             <a:endParaRPr lang="sv-SE" b="1" dirty="0"/>
           </a:p>
@@ -14311,16 +14585,34 @@
               <a:t> </a:t>
             </a:r>
             <a:r>
-              <a:rPr lang="sv-SE" dirty="0" err="1">
+              <a:rPr lang="sv-SE" dirty="0" err="1" smtClean="0">
+                <a:latin typeface="Minya Nouvelle" pitchFamily="2" charset="0"/>
+              </a:rPr>
+              <a:t>main</a:t>
+            </a:r>
+            <a:r>
+              <a:rPr lang="sv-SE" dirty="0" smtClean="0">
+                <a:latin typeface="Minya Nouvelle" pitchFamily="2" charset="0"/>
+              </a:rPr>
+              <a:t> </a:t>
+            </a:r>
+            <a:r>
+              <a:rPr lang="sv-SE" dirty="0" err="1" smtClean="0">
                 <a:latin typeface="Minya Nouvelle" pitchFamily="2" charset="0"/>
               </a:rPr>
               <a:t>map</a:t>
             </a:r>
             <a:r>
+              <a:rPr lang="sv-SE" dirty="0" smtClean="0">
+                <a:latin typeface="Minya Nouvelle" pitchFamily="2" charset="0"/>
+              </a:rPr>
+              <a:t> </a:t>
+            </a:r>
+            <a:r>
               <a:rPr lang="sv-SE" dirty="0">
                 <a:latin typeface="Minya Nouvelle" pitchFamily="2" charset="0"/>
               </a:rPr>
-              <a:t> mark </a:t>
+              <a:t>mark </a:t>
             </a:r>
             <a:r>
               <a:rPr lang="sv-SE" dirty="0" err="1">
@@ -19933,6 +20225,47 @@
           </a:extLst>
         </p:spPr>
       </p:pic>
+      <p:pic>
+        <p:nvPicPr>
+          <p:cNvPr id="9" name="Picture 2" descr="http://www.w3.org/html/logo/downloads/HTML5_Logo_512.png"/>
+          <p:cNvPicPr>
+            <a:picLocks noChangeAspect="1" noChangeArrowheads="1"/>
+          </p:cNvPicPr>
+          <p:nvPr/>
+        </p:nvPicPr>
+        <p:blipFill>
+          <a:blip r:embed="rId4" cstate="print">
+            <a:extLst>
+              <a:ext uri="{28A0092B-C50C-407E-A947-70E740481C1C}">
+                <a14:useLocalDpi xmlns:a14="http://schemas.microsoft.com/office/drawing/2010/main" val="0"/>
+              </a:ext>
+            </a:extLst>
+          </a:blip>
+          <a:srcRect/>
+          <a:stretch>
+            <a:fillRect/>
+          </a:stretch>
+        </p:blipFill>
+        <p:spPr bwMode="auto">
+          <a:xfrm>
+            <a:off x="8316416" y="265212"/>
+            <a:ext cx="626422" cy="626422"/>
+          </a:xfrm>
+          <a:prstGeom prst="rect">
+            <a:avLst/>
+          </a:prstGeom>
+          <a:noFill/>
+          <a:extLst>
+            <a:ext uri="{909E8E84-426E-40dd-AFC4-6F175D3DCCD1}">
+              <a14:hiddenFill xmlns:a14="http://schemas.microsoft.com/office/drawing/2010/main">
+                <a:solidFill>
+                  <a:srgbClr val="FFFFFF"/>
+                </a:solidFill>
+              </a14:hiddenFill>
+            </a:ext>
+          </a:extLst>
+        </p:spPr>
+      </p:pic>
     </p:spTree>
     <p:extLst>
       <p:ext uri="{BB962C8B-B14F-4D97-AF65-F5344CB8AC3E}">
@@ -20307,6 +20640,47 @@
           </a:extLst>
         </p:spPr>
       </p:pic>
+      <p:pic>
+        <p:nvPicPr>
+          <p:cNvPr id="10" name="Picture 2" descr="http://www.w3.org/html/logo/downloads/HTML5_Logo_512.png"/>
+          <p:cNvPicPr>
+            <a:picLocks noChangeAspect="1" noChangeArrowheads="1"/>
+          </p:cNvPicPr>
+          <p:nvPr/>
+        </p:nvPicPr>
+        <p:blipFill>
+          <a:blip r:embed="rId6" cstate="print">
+            <a:extLst>
+              <a:ext uri="{28A0092B-C50C-407E-A947-70E740481C1C}">
+                <a14:useLocalDpi xmlns:a14="http://schemas.microsoft.com/office/drawing/2010/main" val="0"/>
+              </a:ext>
+            </a:extLst>
+          </a:blip>
+          <a:srcRect/>
+          <a:stretch>
+            <a:fillRect/>
+          </a:stretch>
+        </p:blipFill>
+        <p:spPr bwMode="auto">
+          <a:xfrm>
+            <a:off x="8316416" y="265212"/>
+            <a:ext cx="626422" cy="626422"/>
+          </a:xfrm>
+          <a:prstGeom prst="rect">
+            <a:avLst/>
+          </a:prstGeom>
+          <a:noFill/>
+          <a:extLst>
+            <a:ext uri="{909E8E84-426E-40dd-AFC4-6F175D3DCCD1}">
+              <a14:hiddenFill xmlns:a14="http://schemas.microsoft.com/office/drawing/2010/main">
+                <a:solidFill>
+                  <a:srgbClr val="FFFFFF"/>
+                </a:solidFill>
+              </a14:hiddenFill>
+            </a:ext>
+          </a:extLst>
+        </p:spPr>
+      </p:pic>
     </p:spTree>
     <p:extLst>
       <p:ext uri="{BB962C8B-B14F-4D97-AF65-F5344CB8AC3E}">
@@ -20369,7 +20743,7 @@
           <p:nvPr/>
         </p:nvPicPr>
         <p:blipFill>
-          <a:blip r:embed="rId2">
+          <a:blip r:embed="rId3">
             <a:extLst>
               <a:ext uri="{28A0092B-C50C-407E-A947-70E740481C1C}">
                 <a14:useLocalDpi xmlns:a14="http://schemas.microsoft.com/office/drawing/2010/main" val="0"/>
@@ -20433,7 +20807,7 @@
           <p:nvPr/>
         </p:nvPicPr>
         <p:blipFill>
-          <a:blip r:embed="rId3">
+          <a:blip r:embed="rId4">
             <a:extLst>
               <a:ext uri="{28A0092B-C50C-407E-A947-70E740481C1C}">
                 <a14:useLocalDpi xmlns:a14="http://schemas.microsoft.com/office/drawing/2010/main" val="0"/>
@@ -20474,7 +20848,7 @@
           <p:nvPr/>
         </p:nvPicPr>
         <p:blipFill>
-          <a:blip r:embed="rId4">
+          <a:blip r:embed="rId5">
             <a:extLst>
               <a:ext uri="{28A0092B-C50C-407E-A947-70E740481C1C}">
                 <a14:useLocalDpi xmlns:a14="http://schemas.microsoft.com/office/drawing/2010/main" val="0"/>
@@ -20515,7 +20889,7 @@
         <p:spPr>
           <a:xfrm>
             <a:off x="251520" y="5164961"/>
-            <a:ext cx="3068469" cy="369332"/>
+            <a:ext cx="3890809" cy="369332"/>
           </a:xfrm>
           <a:prstGeom prst="rect">
             <a:avLst/>
@@ -20532,11 +20906,61 @@
               <a:rPr lang="sv-SE" b="1" dirty="0" smtClean="0">
                 <a:latin typeface="Minya Nouvelle" pitchFamily="2" charset="0"/>
               </a:rPr>
-              <a:t>Se föreläsning: 05 - Media</a:t>
-            </a:r>
+              <a:t>Se </a:t>
+            </a:r>
+            <a:r>
+              <a:rPr lang="sv-SE" b="1" dirty="0" smtClean="0">
+                <a:latin typeface="Minya Nouvelle" pitchFamily="2" charset="0"/>
+              </a:rPr>
+              <a:t>demo html-&gt;bilder/video/audio</a:t>
+            </a:r>
+            <a:endParaRPr lang="sv-SE" b="1" dirty="0" smtClean="0">
+              <a:latin typeface="Minya Nouvelle" pitchFamily="2" charset="0"/>
+            </a:endParaRPr>
           </a:p>
         </p:txBody>
       </p:sp>
+      <p:pic>
+        <p:nvPicPr>
+          <p:cNvPr id="7" name="Picture 2" descr="http://www.w3.org/html/logo/downloads/HTML5_Logo_512.png"/>
+          <p:cNvPicPr>
+            <a:picLocks noChangeAspect="1" noChangeArrowheads="1"/>
+          </p:cNvPicPr>
+          <p:nvPr/>
+        </p:nvPicPr>
+        <p:blipFill>
+          <a:blip r:embed="rId6" cstate="print">
+            <a:extLst>
+              <a:ext uri="{28A0092B-C50C-407E-A947-70E740481C1C}">
+                <a14:useLocalDpi xmlns:a14="http://schemas.microsoft.com/office/drawing/2010/main" val="0"/>
+              </a:ext>
+            </a:extLst>
+          </a:blip>
+          <a:srcRect/>
+          <a:stretch>
+            <a:fillRect/>
+          </a:stretch>
+        </p:blipFill>
+        <p:spPr bwMode="auto">
+          <a:xfrm>
+            <a:off x="8316416" y="265212"/>
+            <a:ext cx="626422" cy="626422"/>
+          </a:xfrm>
+          <a:prstGeom prst="rect">
+            <a:avLst/>
+          </a:prstGeom>
+          <a:noFill/>
+          <a:extLst>
+            <a:ext uri="{909E8E84-426E-40dd-AFC4-6F175D3DCCD1}">
+              <a14:hiddenFill xmlns:a14="http://schemas.microsoft.com/office/drawing/2010/main">
+                <a:solidFill>
+                  <a:srgbClr val="FFFFFF"/>
+                </a:solidFill>
+              </a14:hiddenFill>
+            </a:ext>
+          </a:extLst>
+        </p:spPr>
+      </p:pic>
     </p:spTree>
     <p:extLst>
       <p:ext uri="{BB962C8B-B14F-4D97-AF65-F5344CB8AC3E}">
@@ -20669,6 +21093,47 @@
           </a:p>
         </p:txBody>
       </p:sp>
+      <p:pic>
+        <p:nvPicPr>
+          <p:cNvPr id="5" name="Picture 2" descr="http://www.w3.org/html/logo/downloads/HTML5_Logo_512.png"/>
+          <p:cNvPicPr>
+            <a:picLocks noChangeAspect="1" noChangeArrowheads="1"/>
+          </p:cNvPicPr>
+          <p:nvPr/>
+        </p:nvPicPr>
+        <p:blipFill>
+          <a:blip r:embed="rId3" cstate="print">
+            <a:extLst>
+              <a:ext uri="{28A0092B-C50C-407E-A947-70E740481C1C}">
+                <a14:useLocalDpi xmlns:a14="http://schemas.microsoft.com/office/drawing/2010/main" val="0"/>
+              </a:ext>
+            </a:extLst>
+          </a:blip>
+          <a:srcRect/>
+          <a:stretch>
+            <a:fillRect/>
+          </a:stretch>
+        </p:blipFill>
+        <p:spPr bwMode="auto">
+          <a:xfrm>
+            <a:off x="8316416" y="265212"/>
+            <a:ext cx="626422" cy="626422"/>
+          </a:xfrm>
+          <a:prstGeom prst="rect">
+            <a:avLst/>
+          </a:prstGeom>
+          <a:noFill/>
+          <a:extLst>
+            <a:ext uri="{909E8E84-426E-40dd-AFC4-6F175D3DCCD1}">
+              <a14:hiddenFill xmlns:a14="http://schemas.microsoft.com/office/drawing/2010/main">
+                <a:solidFill>
+                  <a:srgbClr val="FFFFFF"/>
+                </a:solidFill>
+              </a14:hiddenFill>
+            </a:ext>
+          </a:extLst>
+        </p:spPr>
+      </p:pic>
     </p:spTree>
     <p:extLst>
       <p:ext uri="{BB962C8B-B14F-4D97-AF65-F5344CB8AC3E}">
@@ -20918,6 +21383,47 @@
           </a:p>
         </p:txBody>
       </p:sp>
+      <p:pic>
+        <p:nvPicPr>
+          <p:cNvPr id="8" name="Picture 2" descr="http://www.w3.org/html/logo/downloads/HTML5_Logo_512.png"/>
+          <p:cNvPicPr>
+            <a:picLocks noChangeAspect="1" noChangeArrowheads="1"/>
+          </p:cNvPicPr>
+          <p:nvPr/>
+        </p:nvPicPr>
+        <p:blipFill>
+          <a:blip r:embed="rId5" cstate="print">
+            <a:extLst>
+              <a:ext uri="{28A0092B-C50C-407E-A947-70E740481C1C}">
+                <a14:useLocalDpi xmlns:a14="http://schemas.microsoft.com/office/drawing/2010/main" val="0"/>
+              </a:ext>
+            </a:extLst>
+          </a:blip>
+          <a:srcRect/>
+          <a:stretch>
+            <a:fillRect/>
+          </a:stretch>
+        </p:blipFill>
+        <p:spPr bwMode="auto">
+          <a:xfrm>
+            <a:off x="8316416" y="265212"/>
+            <a:ext cx="626422" cy="626422"/>
+          </a:xfrm>
+          <a:prstGeom prst="rect">
+            <a:avLst/>
+          </a:prstGeom>
+          <a:noFill/>
+          <a:extLst>
+            <a:ext uri="{909E8E84-426E-40dd-AFC4-6F175D3DCCD1}">
+              <a14:hiddenFill xmlns:a14="http://schemas.microsoft.com/office/drawing/2010/main">
+                <a:solidFill>
+                  <a:srgbClr val="FFFFFF"/>
+                </a:solidFill>
+              </a14:hiddenFill>
+            </a:ext>
+          </a:extLst>
+        </p:spPr>
+      </p:pic>
     </p:spTree>
     <p:extLst>
       <p:ext uri="{BB962C8B-B14F-4D97-AF65-F5344CB8AC3E}">
@@ -24130,7 +24636,7 @@
         <p:spPr>
           <a:xfrm>
             <a:off x="611560" y="2497460"/>
-            <a:ext cx="3383683" cy="307777"/>
+            <a:ext cx="3865161" cy="307777"/>
           </a:xfrm>
           <a:prstGeom prst="rect">
             <a:avLst/>
@@ -24144,8 +24650,17 @@
           <a:p>
             <a:r>
               <a:rPr lang="sv-SE" sz="1400" dirty="0"/>
-              <a:t>http://dev.w3.org/html5/spec-author-view/</a:t>
-            </a:r>
+              <a:t>http://www.w3.org/html/</a:t>
+            </a:r>
+            <a:r>
+              <a:rPr lang="sv-SE" sz="1400" dirty="0" err="1"/>
+              <a:t>wg</a:t>
+            </a:r>
+            <a:r>
+              <a:rPr lang="sv-SE" sz="1400" dirty="0"/>
+              <a:t>/drafts/html/master/</a:t>
+            </a:r>
+            <a:endParaRPr lang="sv-SE" sz="1400" dirty="0"/>
           </a:p>
         </p:txBody>
       </p:sp>
@@ -24411,7 +24926,7 @@
         <p:spPr>
           <a:xfrm>
             <a:off x="4236125" y="1690676"/>
-            <a:ext cx="3576235" cy="369332"/>
+            <a:ext cx="1531113" cy="369332"/>
           </a:xfrm>
           <a:prstGeom prst="rect">
             <a:avLst/>
@@ -24428,25 +24943,13 @@
               <a:rPr lang="sv-SE" b="1" dirty="0" smtClean="0">
                 <a:latin typeface="Minya Nouvelle" pitchFamily="2" charset="0"/>
               </a:rPr>
-              <a:t>W3C HTML5 Web </a:t>
-            </a:r>
-            <a:r>
-              <a:rPr lang="sv-SE" b="1" dirty="0" err="1" smtClean="0">
-                <a:latin typeface="Minya Nouvelle" pitchFamily="2" charset="0"/>
-              </a:rPr>
-              <a:t>Authors</a:t>
+              <a:t>W3C </a:t>
             </a:r>
             <a:r>
               <a:rPr lang="sv-SE" b="1" dirty="0" smtClean="0">
                 <a:latin typeface="Minya Nouvelle" pitchFamily="2" charset="0"/>
               </a:rPr>
-              <a:t> </a:t>
-            </a:r>
-            <a:r>
-              <a:rPr lang="sv-SE" b="1" dirty="0" err="1" smtClean="0">
-                <a:latin typeface="Minya Nouvelle" pitchFamily="2" charset="0"/>
-              </a:rPr>
-              <a:t>Spec</a:t>
+              <a:t>HTML5</a:t>
             </a:r>
             <a:endParaRPr lang="sv-SE" b="1" dirty="0" smtClean="0">
               <a:latin typeface="Minya Nouvelle" pitchFamily="2" charset="0"/>

--- a/Föreläsningar/F06 - HTML5.pptx
+++ b/Föreläsningar/F06 - HTML5.pptx
@@ -21062,37 +21062,6 @@
           </a:extLst>
         </p:spPr>
       </p:pic>
-      <p:sp>
-        <p:nvSpPr>
-          <p:cNvPr id="6" name="TextBox 5"/>
-          <p:cNvSpPr txBox="1"/>
-          <p:nvPr/>
-        </p:nvSpPr>
-        <p:spPr>
-          <a:xfrm>
-            <a:off x="251520" y="5164961"/>
-            <a:ext cx="3068469" cy="369332"/>
-          </a:xfrm>
-          <a:prstGeom prst="rect">
-            <a:avLst/>
-          </a:prstGeom>
-          <a:noFill/>
-        </p:spPr>
-        <p:txBody>
-          <a:bodyPr wrap="none" rtlCol="0">
-            <a:spAutoFit/>
-          </a:bodyPr>
-          <a:lstStyle/>
-          <a:p>
-            <a:r>
-              <a:rPr lang="sv-SE" b="1" dirty="0" smtClean="0">
-                <a:latin typeface="Minya Nouvelle" pitchFamily="2" charset="0"/>
-              </a:rPr>
-              <a:t>Se föreläsning: 05 - Media</a:t>
-            </a:r>
-          </a:p>
-        </p:txBody>
-      </p:sp>
       <p:pic>
         <p:nvPicPr>
           <p:cNvPr id="5" name="Picture 2" descr="http://www.w3.org/html/logo/downloads/HTML5_Logo_512.png"/>
@@ -21134,6 +21103,46 @@
           </a:extLst>
         </p:spPr>
       </p:pic>
+      <p:sp>
+        <p:nvSpPr>
+          <p:cNvPr id="7" name="TextBox 6"/>
+          <p:cNvSpPr txBox="1"/>
+          <p:nvPr/>
+        </p:nvSpPr>
+        <p:spPr>
+          <a:xfrm>
+            <a:off x="251520" y="5164961"/>
+            <a:ext cx="3890809" cy="369332"/>
+          </a:xfrm>
+          <a:prstGeom prst="rect">
+            <a:avLst/>
+          </a:prstGeom>
+          <a:noFill/>
+        </p:spPr>
+        <p:txBody>
+          <a:bodyPr wrap="none" rtlCol="0">
+            <a:spAutoFit/>
+          </a:bodyPr>
+          <a:lstStyle/>
+          <a:p>
+            <a:r>
+              <a:rPr lang="sv-SE" b="1" dirty="0" smtClean="0">
+                <a:latin typeface="Minya Nouvelle" pitchFamily="2" charset="0"/>
+              </a:rPr>
+              <a:t>Se </a:t>
+            </a:r>
+            <a:r>
+              <a:rPr lang="sv-SE" b="1" dirty="0" smtClean="0">
+                <a:latin typeface="Minya Nouvelle" pitchFamily="2" charset="0"/>
+              </a:rPr>
+              <a:t>demo html-&gt;bilder/video/audio</a:t>
+            </a:r>
+            <a:endParaRPr lang="sv-SE" b="1" dirty="0" smtClean="0">
+              <a:latin typeface="Minya Nouvelle" pitchFamily="2" charset="0"/>
+            </a:endParaRPr>
+          </a:p>
+        </p:txBody>
+      </p:sp>
     </p:spTree>
     <p:extLst>
       <p:ext uri="{BB962C8B-B14F-4D97-AF65-F5344CB8AC3E}">
@@ -21361,7 +21370,7 @@
         <p:spPr>
           <a:xfrm>
             <a:off x="251520" y="5164961"/>
-            <a:ext cx="3874779" cy="369332"/>
+            <a:ext cx="2442383" cy="369332"/>
           </a:xfrm>
           <a:prstGeom prst="rect">
             <a:avLst/>
@@ -21378,8 +21387,17 @@
               <a:rPr lang="sv-SE" b="1" dirty="0" smtClean="0">
                 <a:latin typeface="Minya Nouvelle" pitchFamily="2" charset="0"/>
               </a:rPr>
-              <a:t>Se föreläsning: 06 – A table form</a:t>
-            </a:r>
+              <a:t>Se </a:t>
+            </a:r>
+            <a:r>
+              <a:rPr lang="sv-SE" b="1" dirty="0" smtClean="0">
+                <a:latin typeface="Minya Nouvelle" pitchFamily="2" charset="0"/>
+              </a:rPr>
+              <a:t>demo om tabeller</a:t>
+            </a:r>
+            <a:endParaRPr lang="sv-SE" b="1" dirty="0" smtClean="0">
+              <a:latin typeface="Minya Nouvelle" pitchFamily="2" charset="0"/>
+            </a:endParaRPr>
           </a:p>
         </p:txBody>
       </p:sp>
